--- a/Process,Requirements,Personas/Persona_1.pptx
+++ b/Process,Requirements,Personas/Persona_1.pptx
@@ -274,35 +274,35 @@
           <a:p>
             <a:pPr lvl="0"/>
             <a:r>
-              <a:rPr lang="de-DE" smtClean="0"/>
+              <a:rPr lang="de-DE"/>
               <a:t>Mastertextformat bearbeiten</a:t>
             </a:r>
           </a:p>
           <a:p>
             <a:pPr lvl="1"/>
             <a:r>
-              <a:rPr lang="de-DE" smtClean="0"/>
+              <a:rPr lang="de-DE"/>
               <a:t>Zweite Ebene</a:t>
             </a:r>
           </a:p>
           <a:p>
             <a:pPr lvl="2"/>
             <a:r>
-              <a:rPr lang="de-DE" smtClean="0"/>
+              <a:rPr lang="de-DE"/>
               <a:t>Dritte Ebene</a:t>
             </a:r>
           </a:p>
           <a:p>
             <a:pPr lvl="3"/>
             <a:r>
-              <a:rPr lang="de-DE" smtClean="0"/>
+              <a:rPr lang="de-DE"/>
               <a:t>Vierte Ebene</a:t>
             </a:r>
           </a:p>
           <a:p>
             <a:pPr lvl="4"/>
             <a:r>
-              <a:rPr lang="de-DE" smtClean="0"/>
+              <a:rPr lang="de-DE"/>
               <a:t>Fünfte Ebene</a:t>
             </a:r>
             <a:endParaRPr lang="en-US"/>
@@ -522,10 +522,10 @@
           <a:bodyPr/>
           <a:lstStyle/>
           <a:p>
-            <a:endParaRPr lang="en-US" dirty="0" smtClean="0"/>
-          </a:p>
-          <a:p>
-            <a:endParaRPr lang="en-US" dirty="0" smtClean="0"/>
+            <a:endParaRPr lang="en-US" dirty="0"/>
+          </a:p>
+          <a:p>
+            <a:endParaRPr lang="en-US" dirty="0"/>
           </a:p>
         </p:txBody>
       </p:sp>
@@ -609,10 +609,10 @@
           <a:bodyPr/>
           <a:lstStyle/>
           <a:p>
-            <a:endParaRPr lang="en-US" dirty="0" smtClean="0"/>
-          </a:p>
-          <a:p>
-            <a:endParaRPr lang="en-US" dirty="0" smtClean="0"/>
+            <a:endParaRPr lang="en-US" dirty="0"/>
+          </a:p>
+          <a:p>
+            <a:endParaRPr lang="en-US" dirty="0"/>
           </a:p>
         </p:txBody>
       </p:sp>
@@ -756,10 +756,10 @@
           <a:bodyPr/>
           <a:lstStyle/>
           <a:p>
-            <a:endParaRPr lang="en-US" dirty="0" smtClean="0"/>
-          </a:p>
-          <a:p>
-            <a:endParaRPr lang="en-US" dirty="0" smtClean="0"/>
+            <a:endParaRPr lang="en-US" dirty="0"/>
+          </a:p>
+          <a:p>
+            <a:endParaRPr lang="en-US" dirty="0"/>
           </a:p>
         </p:txBody>
       </p:sp>
@@ -897,7 +897,7 @@
           <a:lstStyle/>
           <a:p>
             <a:r>
-              <a:rPr lang="de-DE" smtClean="0"/>
+              <a:rPr lang="de-DE"/>
               <a:t>Mastertitelformat bearbeiten</a:t>
             </a:r>
             <a:endParaRPr lang="en-US"/>
@@ -1016,7 +1016,7 @@
           </a:lstStyle>
           <a:p>
             <a:r>
-              <a:rPr lang="de-DE" smtClean="0"/>
+              <a:rPr lang="de-DE"/>
               <a:t>Master-Untertitelformat bearbeiten</a:t>
             </a:r>
             <a:endParaRPr lang="en-US"/>
@@ -1134,7 +1134,7 @@
           <a:lstStyle/>
           <a:p>
             <a:r>
-              <a:rPr lang="de-DE" smtClean="0"/>
+              <a:rPr lang="de-DE"/>
               <a:t>Mastertitelformat bearbeiten</a:t>
             </a:r>
             <a:endParaRPr lang="en-US"/>
@@ -1158,35 +1158,35 @@
           <a:p>
             <a:pPr lvl="0"/>
             <a:r>
-              <a:rPr lang="de-DE" smtClean="0"/>
+              <a:rPr lang="de-DE"/>
               <a:t>Mastertextformat bearbeiten</a:t>
             </a:r>
           </a:p>
           <a:p>
             <a:pPr lvl="1"/>
             <a:r>
-              <a:rPr lang="de-DE" smtClean="0"/>
+              <a:rPr lang="de-DE"/>
               <a:t>Zweite Ebene</a:t>
             </a:r>
           </a:p>
           <a:p>
             <a:pPr lvl="2"/>
             <a:r>
-              <a:rPr lang="de-DE" smtClean="0"/>
+              <a:rPr lang="de-DE"/>
               <a:t>Dritte Ebene</a:t>
             </a:r>
           </a:p>
           <a:p>
             <a:pPr lvl="3"/>
             <a:r>
-              <a:rPr lang="de-DE" smtClean="0"/>
+              <a:rPr lang="de-DE"/>
               <a:t>Vierte Ebene</a:t>
             </a:r>
           </a:p>
           <a:p>
             <a:pPr lvl="4"/>
             <a:r>
-              <a:rPr lang="de-DE" smtClean="0"/>
+              <a:rPr lang="de-DE"/>
               <a:t>Fünfte Ebene</a:t>
             </a:r>
             <a:endParaRPr lang="en-US"/>
@@ -1309,7 +1309,7 @@
           <a:lstStyle/>
           <a:p>
             <a:r>
-              <a:rPr lang="de-DE" smtClean="0"/>
+              <a:rPr lang="de-DE"/>
               <a:t>Mastertitelformat bearbeiten</a:t>
             </a:r>
             <a:endParaRPr lang="en-US"/>
@@ -1338,35 +1338,35 @@
           <a:p>
             <a:pPr lvl="0"/>
             <a:r>
-              <a:rPr lang="de-DE" smtClean="0"/>
+              <a:rPr lang="de-DE"/>
               <a:t>Mastertextformat bearbeiten</a:t>
             </a:r>
           </a:p>
           <a:p>
             <a:pPr lvl="1"/>
             <a:r>
-              <a:rPr lang="de-DE" smtClean="0"/>
+              <a:rPr lang="de-DE"/>
               <a:t>Zweite Ebene</a:t>
             </a:r>
           </a:p>
           <a:p>
             <a:pPr lvl="2"/>
             <a:r>
-              <a:rPr lang="de-DE" smtClean="0"/>
+              <a:rPr lang="de-DE"/>
               <a:t>Dritte Ebene</a:t>
             </a:r>
           </a:p>
           <a:p>
             <a:pPr lvl="3"/>
             <a:r>
-              <a:rPr lang="de-DE" smtClean="0"/>
+              <a:rPr lang="de-DE"/>
               <a:t>Vierte Ebene</a:t>
             </a:r>
           </a:p>
           <a:p>
             <a:pPr lvl="4"/>
             <a:r>
-              <a:rPr lang="de-DE" smtClean="0"/>
+              <a:rPr lang="de-DE"/>
               <a:t>Fünfte Ebene</a:t>
             </a:r>
             <a:endParaRPr lang="en-US"/>
@@ -1484,7 +1484,7 @@
           <a:lstStyle/>
           <a:p>
             <a:r>
-              <a:rPr lang="de-DE" smtClean="0"/>
+              <a:rPr lang="de-DE"/>
               <a:t>Mastertitelformat bearbeiten</a:t>
             </a:r>
             <a:endParaRPr lang="en-US"/>
@@ -1508,35 +1508,35 @@
           <a:p>
             <a:pPr lvl="0"/>
             <a:r>
-              <a:rPr lang="de-DE" smtClean="0"/>
+              <a:rPr lang="de-DE"/>
               <a:t>Mastertextformat bearbeiten</a:t>
             </a:r>
           </a:p>
           <a:p>
             <a:pPr lvl="1"/>
             <a:r>
-              <a:rPr lang="de-DE" smtClean="0"/>
+              <a:rPr lang="de-DE"/>
               <a:t>Zweite Ebene</a:t>
             </a:r>
           </a:p>
           <a:p>
             <a:pPr lvl="2"/>
             <a:r>
-              <a:rPr lang="de-DE" smtClean="0"/>
+              <a:rPr lang="de-DE"/>
               <a:t>Dritte Ebene</a:t>
             </a:r>
           </a:p>
           <a:p>
             <a:pPr lvl="3"/>
             <a:r>
-              <a:rPr lang="de-DE" smtClean="0"/>
+              <a:rPr lang="de-DE"/>
               <a:t>Vierte Ebene</a:t>
             </a:r>
           </a:p>
           <a:p>
             <a:pPr lvl="4"/>
             <a:r>
-              <a:rPr lang="de-DE" smtClean="0"/>
+              <a:rPr lang="de-DE"/>
               <a:t>Fünfte Ebene</a:t>
             </a:r>
             <a:endParaRPr lang="en-US"/>
@@ -1663,7 +1663,7 @@
           </a:lstStyle>
           <a:p>
             <a:r>
-              <a:rPr lang="de-DE" smtClean="0"/>
+              <a:rPr lang="de-DE"/>
               <a:t>Mastertitelformat bearbeiten</a:t>
             </a:r>
             <a:endParaRPr lang="en-US"/>
@@ -1783,7 +1783,7 @@
           <a:p>
             <a:pPr lvl="0"/>
             <a:r>
-              <a:rPr lang="de-DE" smtClean="0"/>
+              <a:rPr lang="de-DE"/>
               <a:t>Mastertextformat bearbeiten</a:t>
             </a:r>
           </a:p>
@@ -1900,7 +1900,7 @@
           <a:lstStyle/>
           <a:p>
             <a:r>
-              <a:rPr lang="de-DE" smtClean="0"/>
+              <a:rPr lang="de-DE"/>
               <a:t>Mastertitelformat bearbeiten</a:t>
             </a:r>
             <a:endParaRPr lang="en-US"/>
@@ -1957,35 +1957,35 @@
           <a:p>
             <a:pPr lvl="0"/>
             <a:r>
-              <a:rPr lang="de-DE" smtClean="0"/>
+              <a:rPr lang="de-DE"/>
               <a:t>Mastertextformat bearbeiten</a:t>
             </a:r>
           </a:p>
           <a:p>
             <a:pPr lvl="1"/>
             <a:r>
-              <a:rPr lang="de-DE" smtClean="0"/>
+              <a:rPr lang="de-DE"/>
               <a:t>Zweite Ebene</a:t>
             </a:r>
           </a:p>
           <a:p>
             <a:pPr lvl="2"/>
             <a:r>
-              <a:rPr lang="de-DE" smtClean="0"/>
+              <a:rPr lang="de-DE"/>
               <a:t>Dritte Ebene</a:t>
             </a:r>
           </a:p>
           <a:p>
             <a:pPr lvl="3"/>
             <a:r>
-              <a:rPr lang="de-DE" smtClean="0"/>
+              <a:rPr lang="de-DE"/>
               <a:t>Vierte Ebene</a:t>
             </a:r>
           </a:p>
           <a:p>
             <a:pPr lvl="4"/>
             <a:r>
-              <a:rPr lang="de-DE" smtClean="0"/>
+              <a:rPr lang="de-DE"/>
               <a:t>Fünfte Ebene</a:t>
             </a:r>
             <a:endParaRPr lang="en-US"/>
@@ -2042,35 +2042,35 @@
           <a:p>
             <a:pPr lvl="0"/>
             <a:r>
-              <a:rPr lang="de-DE" smtClean="0"/>
+              <a:rPr lang="de-DE"/>
               <a:t>Mastertextformat bearbeiten</a:t>
             </a:r>
           </a:p>
           <a:p>
             <a:pPr lvl="1"/>
             <a:r>
-              <a:rPr lang="de-DE" smtClean="0"/>
+              <a:rPr lang="de-DE"/>
               <a:t>Zweite Ebene</a:t>
             </a:r>
           </a:p>
           <a:p>
             <a:pPr lvl="2"/>
             <a:r>
-              <a:rPr lang="de-DE" smtClean="0"/>
+              <a:rPr lang="de-DE"/>
               <a:t>Dritte Ebene</a:t>
             </a:r>
           </a:p>
           <a:p>
             <a:pPr lvl="3"/>
             <a:r>
-              <a:rPr lang="de-DE" smtClean="0"/>
+              <a:rPr lang="de-DE"/>
               <a:t>Vierte Ebene</a:t>
             </a:r>
           </a:p>
           <a:p>
             <a:pPr lvl="4"/>
             <a:r>
-              <a:rPr lang="de-DE" smtClean="0"/>
+              <a:rPr lang="de-DE"/>
               <a:t>Fünfte Ebene</a:t>
             </a:r>
             <a:endParaRPr lang="en-US"/>
@@ -2192,7 +2192,7 @@
           </a:lstStyle>
           <a:p>
             <a:r>
-              <a:rPr lang="de-DE" smtClean="0"/>
+              <a:rPr lang="de-DE"/>
               <a:t>Mastertitelformat bearbeiten</a:t>
             </a:r>
             <a:endParaRPr lang="en-US"/>
@@ -2258,7 +2258,7 @@
           <a:p>
             <a:pPr lvl="0"/>
             <a:r>
-              <a:rPr lang="de-DE" smtClean="0"/>
+              <a:rPr lang="de-DE"/>
               <a:t>Mastertextformat bearbeiten</a:t>
             </a:r>
           </a:p>
@@ -2314,35 +2314,35 @@
           <a:p>
             <a:pPr lvl="0"/>
             <a:r>
-              <a:rPr lang="de-DE" smtClean="0"/>
+              <a:rPr lang="de-DE"/>
               <a:t>Mastertextformat bearbeiten</a:t>
             </a:r>
           </a:p>
           <a:p>
             <a:pPr lvl="1"/>
             <a:r>
-              <a:rPr lang="de-DE" smtClean="0"/>
+              <a:rPr lang="de-DE"/>
               <a:t>Zweite Ebene</a:t>
             </a:r>
           </a:p>
           <a:p>
             <a:pPr lvl="2"/>
             <a:r>
-              <a:rPr lang="de-DE" smtClean="0"/>
+              <a:rPr lang="de-DE"/>
               <a:t>Dritte Ebene</a:t>
             </a:r>
           </a:p>
           <a:p>
             <a:pPr lvl="3"/>
             <a:r>
-              <a:rPr lang="de-DE" smtClean="0"/>
+              <a:rPr lang="de-DE"/>
               <a:t>Vierte Ebene</a:t>
             </a:r>
           </a:p>
           <a:p>
             <a:pPr lvl="4"/>
             <a:r>
-              <a:rPr lang="de-DE" smtClean="0"/>
+              <a:rPr lang="de-DE"/>
               <a:t>Fünfte Ebene</a:t>
             </a:r>
             <a:endParaRPr lang="en-US"/>
@@ -2408,7 +2408,7 @@
           <a:p>
             <a:pPr lvl="0"/>
             <a:r>
-              <a:rPr lang="de-DE" smtClean="0"/>
+              <a:rPr lang="de-DE"/>
               <a:t>Mastertextformat bearbeiten</a:t>
             </a:r>
           </a:p>
@@ -2464,35 +2464,35 @@
           <a:p>
             <a:pPr lvl="0"/>
             <a:r>
-              <a:rPr lang="de-DE" smtClean="0"/>
+              <a:rPr lang="de-DE"/>
               <a:t>Mastertextformat bearbeiten</a:t>
             </a:r>
           </a:p>
           <a:p>
             <a:pPr lvl="1"/>
             <a:r>
-              <a:rPr lang="de-DE" smtClean="0"/>
+              <a:rPr lang="de-DE"/>
               <a:t>Zweite Ebene</a:t>
             </a:r>
           </a:p>
           <a:p>
             <a:pPr lvl="2"/>
             <a:r>
-              <a:rPr lang="de-DE" smtClean="0"/>
+              <a:rPr lang="de-DE"/>
               <a:t>Dritte Ebene</a:t>
             </a:r>
           </a:p>
           <a:p>
             <a:pPr lvl="3"/>
             <a:r>
-              <a:rPr lang="de-DE" smtClean="0"/>
+              <a:rPr lang="de-DE"/>
               <a:t>Vierte Ebene</a:t>
             </a:r>
           </a:p>
           <a:p>
             <a:pPr lvl="4"/>
             <a:r>
-              <a:rPr lang="de-DE" smtClean="0"/>
+              <a:rPr lang="de-DE"/>
               <a:t>Fünfte Ebene</a:t>
             </a:r>
             <a:endParaRPr lang="en-US"/>
@@ -2610,7 +2610,7 @@
           <a:lstStyle/>
           <a:p>
             <a:r>
-              <a:rPr lang="de-DE" smtClean="0"/>
+              <a:rPr lang="de-DE"/>
               <a:t>Mastertitelformat bearbeiten</a:t>
             </a:r>
             <a:endParaRPr lang="en-US"/>
@@ -2832,7 +2832,7 @@
           </a:lstStyle>
           <a:p>
             <a:r>
-              <a:rPr lang="de-DE" smtClean="0"/>
+              <a:rPr lang="de-DE"/>
               <a:t>Mastertitelformat bearbeiten</a:t>
             </a:r>
             <a:endParaRPr lang="en-US"/>
@@ -2889,35 +2889,35 @@
           <a:p>
             <a:pPr lvl="0"/>
             <a:r>
-              <a:rPr lang="de-DE" smtClean="0"/>
+              <a:rPr lang="de-DE"/>
               <a:t>Mastertextformat bearbeiten</a:t>
             </a:r>
           </a:p>
           <a:p>
             <a:pPr lvl="1"/>
             <a:r>
-              <a:rPr lang="de-DE" smtClean="0"/>
+              <a:rPr lang="de-DE"/>
               <a:t>Zweite Ebene</a:t>
             </a:r>
           </a:p>
           <a:p>
             <a:pPr lvl="2"/>
             <a:r>
-              <a:rPr lang="de-DE" smtClean="0"/>
+              <a:rPr lang="de-DE"/>
               <a:t>Dritte Ebene</a:t>
             </a:r>
           </a:p>
           <a:p>
             <a:pPr lvl="3"/>
             <a:r>
-              <a:rPr lang="de-DE" smtClean="0"/>
+              <a:rPr lang="de-DE"/>
               <a:t>Vierte Ebene</a:t>
             </a:r>
           </a:p>
           <a:p>
             <a:pPr lvl="4"/>
             <a:r>
-              <a:rPr lang="de-DE" smtClean="0"/>
+              <a:rPr lang="de-DE"/>
               <a:t>Fünfte Ebene</a:t>
             </a:r>
             <a:endParaRPr lang="en-US"/>
@@ -2983,7 +2983,7 @@
           <a:p>
             <a:pPr lvl="0"/>
             <a:r>
-              <a:rPr lang="de-DE" smtClean="0"/>
+              <a:rPr lang="de-DE"/>
               <a:t>Mastertextformat bearbeiten</a:t>
             </a:r>
           </a:p>
@@ -3109,7 +3109,7 @@
           </a:lstStyle>
           <a:p>
             <a:r>
-              <a:rPr lang="de-DE" smtClean="0"/>
+              <a:rPr lang="de-DE"/>
               <a:t>Mastertitelformat bearbeiten</a:t>
             </a:r>
             <a:endParaRPr lang="en-US"/>
@@ -3236,7 +3236,7 @@
           <a:p>
             <a:pPr lvl="0"/>
             <a:r>
-              <a:rPr lang="de-DE" smtClean="0"/>
+              <a:rPr lang="de-DE"/>
               <a:t>Mastertextformat bearbeiten</a:t>
             </a:r>
           </a:p>
@@ -3368,7 +3368,7 @@
           <a:lstStyle/>
           <a:p>
             <a:r>
-              <a:rPr lang="de-DE" smtClean="0"/>
+              <a:rPr lang="de-DE"/>
               <a:t>Mastertitelformat bearbeiten</a:t>
             </a:r>
             <a:endParaRPr lang="en-US"/>
@@ -3402,35 +3402,35 @@
           <a:p>
             <a:pPr lvl="0"/>
             <a:r>
-              <a:rPr lang="de-DE" smtClean="0"/>
+              <a:rPr lang="de-DE"/>
               <a:t>Mastertextformat bearbeiten</a:t>
             </a:r>
           </a:p>
           <a:p>
             <a:pPr lvl="1"/>
             <a:r>
-              <a:rPr lang="de-DE" smtClean="0"/>
+              <a:rPr lang="de-DE"/>
               <a:t>Zweite Ebene</a:t>
             </a:r>
           </a:p>
           <a:p>
             <a:pPr lvl="2"/>
             <a:r>
-              <a:rPr lang="de-DE" smtClean="0"/>
+              <a:rPr lang="de-DE"/>
               <a:t>Dritte Ebene</a:t>
             </a:r>
           </a:p>
           <a:p>
             <a:pPr lvl="3"/>
             <a:r>
-              <a:rPr lang="de-DE" smtClean="0"/>
+              <a:rPr lang="de-DE"/>
               <a:t>Vierte Ebene</a:t>
             </a:r>
           </a:p>
           <a:p>
             <a:pPr lvl="4"/>
             <a:r>
-              <a:rPr lang="de-DE" smtClean="0"/>
+              <a:rPr lang="de-DE"/>
               <a:t>Fünfte Ebene</a:t>
             </a:r>
             <a:endParaRPr lang="en-US"/>
@@ -3924,16 +3924,12 @@
           <a:p>
             <a:pPr algn="ctr"/>
             <a:r>
-              <a:rPr lang="en-US" sz="2800" dirty="0" smtClean="0">
+              <a:rPr lang="en-US" sz="2800" dirty="0">
                 <a:latin typeface="Calibri Light"/>
                 <a:cs typeface="Calibri Light"/>
               </a:rPr>
               <a:t>James</a:t>
             </a:r>
-            <a:endParaRPr lang="en-US" sz="2800" dirty="0">
-              <a:latin typeface="Calibri Light"/>
-              <a:cs typeface="Calibri Light"/>
-            </a:endParaRPr>
           </a:p>
         </p:txBody>
       </p:sp>
@@ -3977,7 +3973,7 @@
             <a:p>
               <a:pPr algn="ctr"/>
               <a:r>
-                <a:rPr lang="en-US" sz="1050" b="1" dirty="0" smtClean="0">
+                <a:rPr lang="en-US" sz="1050" b="1" dirty="0">
                   <a:solidFill>
                     <a:schemeClr val="bg1"/>
                   </a:solidFill>
@@ -4021,7 +4017,7 @@
                 <a:buChar char="•"/>
               </a:pPr>
               <a:r>
-                <a:rPr lang="en-US" sz="1050" dirty="0" smtClean="0">
+                <a:rPr lang="en-US" sz="1050" dirty="0">
                   <a:solidFill>
                     <a:schemeClr val="tx1">
                       <a:lumMod val="65000"/>
@@ -4033,16 +4029,6 @@
                 </a:rPr>
                 <a:t>Provide tutelage to struggling students who are looking for a way to enhance their grades or find help in a difficult topic</a:t>
               </a:r>
-              <a:endParaRPr lang="en-US" sz="1050" dirty="0">
-                <a:solidFill>
-                  <a:schemeClr val="tx1">
-                    <a:lumMod val="65000"/>
-                    <a:lumOff val="35000"/>
-                  </a:schemeClr>
-                </a:solidFill>
-                <a:latin typeface="Calibri Light"/>
-                <a:cs typeface="Calibri Light"/>
-              </a:endParaRPr>
             </a:p>
             <a:p>
               <a:pPr marL="171450" indent="-171450">
@@ -4053,7 +4039,7 @@
                 <a:buChar char="•"/>
               </a:pPr>
               <a:r>
-                <a:rPr lang="en-US" sz="1050" dirty="0" smtClean="0">
+                <a:rPr lang="en-US" sz="1050" dirty="0">
                   <a:solidFill>
                     <a:schemeClr val="tx1">
                       <a:lumMod val="65000"/>
@@ -4065,16 +4051,6 @@
                 </a:rPr>
                 <a:t>Effectively run classes in the ITLC</a:t>
               </a:r>
-              <a:endParaRPr lang="en-US" sz="1050" dirty="0">
-                <a:solidFill>
-                  <a:schemeClr val="tx1">
-                    <a:lumMod val="65000"/>
-                    <a:lumOff val="35000"/>
-                  </a:schemeClr>
-                </a:solidFill>
-                <a:latin typeface="Calibri Light"/>
-                <a:cs typeface="Calibri Light"/>
-              </a:endParaRPr>
             </a:p>
           </p:txBody>
         </p:sp>
@@ -4158,7 +4134,7 @@
                 <a:buChar char="•"/>
               </a:pPr>
               <a:r>
-                <a:rPr lang="en-US" sz="1050" dirty="0" smtClean="0">
+                <a:rPr lang="en-US" sz="1050" dirty="0">
                   <a:solidFill>
                     <a:schemeClr val="tx1">
                       <a:lumMod val="65000"/>
@@ -4170,16 +4146,6 @@
                 </a:rPr>
                 <a:t>Students being able to find his tutorials effectively</a:t>
               </a:r>
-              <a:endParaRPr lang="en-US" sz="1050" dirty="0" smtClean="0">
-                <a:solidFill>
-                  <a:schemeClr val="tx1">
-                    <a:lumMod val="65000"/>
-                    <a:lumOff val="35000"/>
-                  </a:schemeClr>
-                </a:solidFill>
-                <a:latin typeface="Calibri Light"/>
-                <a:cs typeface="Calibri Light"/>
-              </a:endParaRPr>
             </a:p>
           </p:txBody>
         </p:sp>
@@ -4193,7 +4159,7 @@
           <p:nvPr>
             <p:extLst>
               <p:ext uri="{D42A27DB-BD31-4B8C-83A1-F6EECF244321}">
-                <p14:modId xmlns:p14="http://schemas.microsoft.com/office/powerpoint/2010/main" val="9283559"/>
+                <p14:modId xmlns:p14="http://schemas.microsoft.com/office/powerpoint/2010/main" val="1725055848"/>
               </p:ext>
             </p:extLst>
           </p:nvPr>
@@ -4248,7 +4214,7 @@
                         <a:defRPr/>
                       </a:pPr>
                       <a:r>
-                        <a:rPr lang="en-US" sz="1000" b="1" dirty="0" smtClean="0">
+                        <a:rPr lang="en-US" sz="1000" b="1" dirty="0">
                           <a:solidFill>
                             <a:schemeClr val="tx1">
                               <a:lumMod val="65000"/>
@@ -4307,7 +4273,7 @@
                         <a:defRPr/>
                       </a:pPr>
                       <a:r>
-                        <a:rPr kumimoji="0" lang="en-US" sz="1000" b="0" i="0" u="none" strike="noStrike" kern="1200" cap="none" spc="0" normalizeH="0" baseline="0" noProof="0" dirty="0" smtClean="0">
+                        <a:rPr kumimoji="0" lang="en-US" sz="1000" b="0" i="0" u="none" strike="noStrike" kern="1200" cap="none" spc="0" normalizeH="0" baseline="0" noProof="0" dirty="0">
                           <a:ln>
                             <a:noFill/>
                           </a:ln>
@@ -4324,7 +4290,7 @@
                           <a:ea typeface="+mn-ea"/>
                           <a:cs typeface="Calibri Light"/>
                         </a:rPr>
-                        <a:t>20</a:t>
+                        <a:t>21</a:t>
                       </a:r>
                       <a:endParaRPr lang="en-US" sz="1000" dirty="0">
                         <a:solidFill>
@@ -4381,7 +4347,7 @@
                         </a:spcBef>
                       </a:pPr>
                       <a:r>
-                        <a:rPr lang="en-US" sz="1000" b="1" dirty="0" smtClean="0">
+                        <a:rPr lang="en-US" sz="1000" b="1" dirty="0">
                           <a:solidFill>
                             <a:schemeClr val="tx1">
                               <a:lumMod val="65000"/>
@@ -4448,7 +4414,7 @@
                         <a:defRPr/>
                       </a:pPr>
                       <a:r>
-                        <a:rPr kumimoji="0" lang="en-US" sz="1000" b="0" i="0" u="none" strike="noStrike" kern="1200" cap="none" spc="0" normalizeH="0" baseline="0" noProof="0" dirty="0" smtClean="0">
+                        <a:rPr kumimoji="0" lang="en-US" sz="1000" b="0" i="0" u="none" strike="noStrike" kern="1200" cap="none" spc="0" normalizeH="0" baseline="0" noProof="0" dirty="0">
                           <a:ln>
                             <a:noFill/>
                           </a:ln>
@@ -4467,23 +4433,6 @@
                         </a:rPr>
                         <a:t>ITLC Mentor (DKIT)</a:t>
                       </a:r>
-                      <a:endParaRPr kumimoji="0" lang="en-US" sz="1000" b="0" i="0" u="none" strike="noStrike" kern="1200" cap="none" spc="0" normalizeH="0" baseline="0" noProof="0" dirty="0" smtClean="0">
-                        <a:ln>
-                          <a:noFill/>
-                        </a:ln>
-                        <a:solidFill>
-                          <a:schemeClr val="tx1">
-                            <a:lumMod val="65000"/>
-                            <a:lumOff val="35000"/>
-                          </a:schemeClr>
-                        </a:solidFill>
-                        <a:effectLst/>
-                        <a:uLnTx/>
-                        <a:uFillTx/>
-                        <a:latin typeface="Calibri Light"/>
-                        <a:ea typeface="+mn-ea"/>
-                        <a:cs typeface="Calibri Light"/>
-                      </a:endParaRPr>
                     </a:p>
                   </a:txBody>
                   <a:tcPr marR="108000" marT="165600" marB="0">
@@ -4531,7 +4480,7 @@
                         </a:spcBef>
                       </a:pPr>
                       <a:r>
-                        <a:rPr lang="en-US" sz="1000" b="1" dirty="0" smtClean="0">
+                        <a:rPr lang="en-US" sz="1000" b="1" dirty="0">
                           <a:solidFill>
                             <a:schemeClr val="tx1">
                               <a:lumMod val="65000"/>
@@ -4598,7 +4547,7 @@
                         <a:defRPr/>
                       </a:pPr>
                       <a:r>
-                        <a:rPr lang="en-US" sz="1000" dirty="0" smtClean="0">
+                        <a:rPr lang="en-US" sz="1000" dirty="0">
                           <a:solidFill>
                             <a:schemeClr val="tx1">
                               <a:lumMod val="65000"/>
@@ -4611,7 +4560,7 @@
                         <a:t>Leaving</a:t>
                       </a:r>
                       <a:r>
-                        <a:rPr lang="en-US" sz="1000" baseline="0" dirty="0" smtClean="0">
+                        <a:rPr lang="en-US" sz="1000" baseline="0" dirty="0">
                           <a:solidFill>
                             <a:schemeClr val="tx1">
                               <a:lumMod val="65000"/>
@@ -4623,7 +4572,7 @@
                         </a:rPr>
                         <a:t> Certificate, Bachelors Degree in Computing (Y2)</a:t>
                       </a:r>
-                      <a:endParaRPr lang="en-US" sz="1000" dirty="0" smtClean="0">
+                      <a:endParaRPr lang="en-US" sz="1000" dirty="0">
                         <a:solidFill>
                           <a:schemeClr val="tx1">
                             <a:lumMod val="65000"/>
@@ -4680,7 +4629,7 @@
                         </a:spcBef>
                       </a:pPr>
                       <a:r>
-                        <a:rPr lang="en-US" sz="1000" b="1" dirty="0" smtClean="0">
+                        <a:rPr lang="en-US" sz="1000" b="1" dirty="0">
                           <a:solidFill>
                             <a:schemeClr val="tx1">
                               <a:lumMod val="65000"/>
@@ -4747,7 +4696,7 @@
                         <a:defRPr/>
                       </a:pPr>
                       <a:r>
-                        <a:rPr kumimoji="0" lang="en-US" sz="1000" b="0" i="0" u="none" strike="noStrike" kern="1200" cap="none" spc="0" normalizeH="0" baseline="0" noProof="0" dirty="0" smtClean="0">
+                        <a:rPr kumimoji="0" lang="en-US" sz="1000" b="0" i="0" u="none" strike="noStrike" kern="1200" cap="none" spc="0" normalizeH="0" baseline="0" noProof="0" dirty="0">
                           <a:ln>
                             <a:noFill/>
                           </a:ln>
@@ -4766,23 +4715,6 @@
                         </a:rPr>
                         <a:t>Dundalk</a:t>
                       </a:r>
-                      <a:endParaRPr kumimoji="0" lang="en-US" sz="1000" b="0" i="0" u="none" strike="noStrike" kern="1200" cap="none" spc="0" normalizeH="0" baseline="0" noProof="0" dirty="0" smtClean="0">
-                        <a:ln>
-                          <a:noFill/>
-                        </a:ln>
-                        <a:solidFill>
-                          <a:schemeClr val="tx1">
-                            <a:lumMod val="65000"/>
-                            <a:lumOff val="35000"/>
-                          </a:schemeClr>
-                        </a:solidFill>
-                        <a:effectLst/>
-                        <a:uLnTx/>
-                        <a:uFillTx/>
-                        <a:latin typeface="Calibri Light"/>
-                        <a:ea typeface="+mn-ea"/>
-                        <a:cs typeface="Calibri Light"/>
-                      </a:endParaRPr>
                     </a:p>
                   </a:txBody>
                   <a:tcPr marR="108000" marT="165600" marB="0">
@@ -4830,7 +4762,7 @@
                         </a:spcBef>
                       </a:pPr>
                       <a:r>
-                        <a:rPr lang="en-US" sz="1000" b="1" dirty="0" smtClean="0">
+                        <a:rPr lang="en-US" sz="1000" b="1" dirty="0">
                           <a:solidFill>
                             <a:schemeClr val="tx1">
                               <a:lumMod val="65000"/>
@@ -4897,7 +4829,7 @@
                         <a:defRPr/>
                       </a:pPr>
                       <a:r>
-                        <a:rPr kumimoji="0" lang="en-US" sz="1000" b="0" i="0" u="none" strike="noStrike" kern="1200" cap="none" spc="0" normalizeH="0" baseline="0" noProof="0" dirty="0" smtClean="0">
+                        <a:rPr kumimoji="0" lang="en-US" sz="1000" b="0" i="0" u="none" strike="noStrike" kern="1200" cap="none" spc="0" normalizeH="0" baseline="0" noProof="0" dirty="0">
                           <a:ln>
                             <a:noFill/>
                           </a:ln>
@@ -4991,7 +4923,7 @@
             <a:lstStyle/>
             <a:p>
               <a:r>
-                <a:rPr lang="en-US" sz="1050" b="1" dirty="0" smtClean="0">
+                <a:rPr lang="en-US" sz="1050" b="1" dirty="0">
                   <a:solidFill>
                     <a:schemeClr val="bg1"/>
                   </a:solidFill>
@@ -5032,7 +4964,7 @@
                   <a:spcPct val="120000"/>
                 </a:lnSpc>
               </a:pPr>
-              <a:endParaRPr lang="en-US" sz="1050" dirty="0" smtClean="0">
+              <a:endParaRPr lang="en-US" sz="1050" dirty="0">
                 <a:solidFill>
                   <a:schemeClr val="tx1">
                     <a:lumMod val="65000"/>
@@ -5086,7 +5018,7 @@
             <a:p>
               <a:pPr algn="ctr"/>
               <a:r>
-                <a:rPr lang="en-US" sz="1050" b="1" dirty="0" smtClean="0">
+                <a:rPr lang="en-US" sz="1050" b="1" dirty="0">
                   <a:solidFill>
                     <a:schemeClr val="bg1"/>
                   </a:solidFill>
@@ -5130,7 +5062,7 @@
                 <a:buChar char="•"/>
               </a:pPr>
               <a:r>
-                <a:rPr lang="en-US" sz="1050" dirty="0" smtClean="0">
+                <a:rPr lang="en-US" sz="1050" dirty="0">
                   <a:solidFill>
                     <a:schemeClr val="tx1">
                       <a:lumMod val="65000"/>
@@ -5152,7 +5084,7 @@
                 <a:buChar char="•"/>
               </a:pPr>
               <a:r>
-                <a:rPr lang="en-US" sz="1050" dirty="0" smtClean="0">
+                <a:rPr lang="en-US" sz="1050" dirty="0">
                   <a:solidFill>
                     <a:schemeClr val="tx1">
                       <a:lumMod val="65000"/>
@@ -5174,7 +5106,7 @@
                 <a:buChar char="•"/>
               </a:pPr>
               <a:r>
-                <a:rPr lang="en-US" sz="1050" dirty="0" smtClean="0">
+                <a:rPr lang="en-US" sz="1050" dirty="0">
                   <a:solidFill>
                     <a:schemeClr val="tx1">
                       <a:lumMod val="65000"/>
@@ -5186,16 +5118,6 @@
                 </a:rPr>
                 <a:t>Social Media</a:t>
               </a:r>
-              <a:endParaRPr lang="en-US" sz="1050" dirty="0" smtClean="0">
-                <a:solidFill>
-                  <a:schemeClr val="tx1">
-                    <a:lumMod val="65000"/>
-                    <a:lumOff val="35000"/>
-                  </a:schemeClr>
-                </a:solidFill>
-                <a:latin typeface="Calibri Light"/>
-                <a:cs typeface="Calibri Light"/>
-              </a:endParaRPr>
             </a:p>
           </p:txBody>
         </p:sp>
@@ -5237,7 +5159,7 @@
             <a:p>
               <a:pPr algn="ctr"/>
               <a:r>
-                <a:rPr lang="en-US" sz="1400" dirty="0" smtClean="0">
+                <a:rPr lang="en-US" sz="1400" dirty="0">
                   <a:solidFill>
                     <a:srgbClr val="398DFF"/>
                   </a:solidFill>
@@ -5246,13 +5168,6 @@
                 </a:rPr>
                 <a:t>Tech Savvy</a:t>
               </a:r>
-              <a:endParaRPr lang="en-US" sz="1400" dirty="0" smtClean="0">
-                <a:solidFill>
-                  <a:srgbClr val="398DFF"/>
-                </a:solidFill>
-                <a:latin typeface="Calibri Light"/>
-                <a:cs typeface="Calibri Light"/>
-              </a:endParaRPr>
             </a:p>
           </p:txBody>
         </p:sp>
@@ -5278,7 +5193,7 @@
             <a:lstStyle/>
             <a:p>
               <a:r>
-                <a:rPr lang="en-US" sz="2800" dirty="0" smtClean="0">
+                <a:rPr lang="en-US" sz="2800" dirty="0">
                   <a:solidFill>
                     <a:srgbClr val="398DFF"/>
                   </a:solidFill>
@@ -5319,18 +5234,13 @@
             <a:lstStyle/>
             <a:p>
               <a:r>
-                <a:rPr lang="en-US" sz="1100" b="1" dirty="0" smtClean="0">
+                <a:rPr lang="en-US" sz="1100" b="1" dirty="0">
                   <a:solidFill>
                     <a:srgbClr val="398DFF"/>
                   </a:solidFill>
                 </a:rPr>
                 <a:t>Good at programming</a:t>
               </a:r>
-              <a:endParaRPr lang="en-US" sz="1100" b="1" dirty="0" smtClean="0">
-                <a:solidFill>
-                  <a:srgbClr val="398DFF"/>
-                </a:solidFill>
-              </a:endParaRPr>
             </a:p>
           </p:txBody>
         </p:sp>
@@ -5357,7 +5267,7 @@
             <a:p>
               <a:pPr algn="ctr"/>
               <a:r>
-                <a:rPr lang="en-US" sz="1400" dirty="0" smtClean="0">
+                <a:rPr lang="en-US" sz="1400" dirty="0">
                   <a:solidFill>
                     <a:srgbClr val="398DFF"/>
                   </a:solidFill>
@@ -5391,7 +5301,7 @@
             <a:lstStyle/>
             <a:p>
               <a:r>
-                <a:rPr lang="en-US" sz="1100" dirty="0" smtClean="0">
+                <a:rPr lang="en-US" sz="1100" dirty="0">
                   <a:solidFill>
                     <a:srgbClr val="398DFF"/>
                   </a:solidFill>
@@ -5400,13 +5310,6 @@
                 </a:rPr>
                 <a:t>Frequently uses social media</a:t>
               </a:r>
-              <a:endParaRPr lang="en-US" sz="1100" dirty="0">
-                <a:solidFill>
-                  <a:srgbClr val="398DFF"/>
-                </a:solidFill>
-                <a:latin typeface="Calibri Light"/>
-                <a:cs typeface="Calibri Light"/>
-              </a:endParaRPr>
             </a:p>
           </p:txBody>
         </p:sp>
@@ -5473,7 +5376,7 @@
             <a:p>
               <a:pPr algn="r"/>
               <a:r>
-                <a:rPr lang="en-US" sz="800" dirty="0" smtClean="0">
+                <a:rPr lang="en-US" sz="800" dirty="0">
                   <a:latin typeface="Calibri Light"/>
                   <a:cs typeface="Calibri Light"/>
                 </a:rPr>
@@ -5483,10 +5386,9 @@
             <a:p>
               <a:pPr algn="r"/>
               <a:r>
-                <a:rPr lang="en-US" sz="800" dirty="0" smtClean="0"/>
+                <a:rPr lang="en-US" sz="800" dirty="0"/>
                 <a:t>www.blog.filestage.io</a:t>
               </a:r>
-              <a:endParaRPr lang="en-US" sz="800" dirty="0"/>
             </a:p>
           </p:txBody>
         </p:sp>
@@ -5548,7 +5450,7 @@
               <a:buChar char="•"/>
             </a:pPr>
             <a:r>
-              <a:rPr lang="en-US" sz="1050" dirty="0" smtClean="0">
+              <a:rPr lang="en-US" sz="1050" dirty="0">
                 <a:solidFill>
                   <a:prstClr val="black">
                     <a:lumMod val="65000"/>
@@ -5567,7 +5469,7 @@
               <a:buChar char="•"/>
             </a:pPr>
             <a:r>
-              <a:rPr lang="en-US" sz="1050" dirty="0" smtClean="0">
+              <a:rPr lang="en-US" sz="1050" dirty="0">
                 <a:solidFill>
                   <a:prstClr val="black">
                     <a:lumMod val="65000"/>
@@ -5586,7 +5488,7 @@
               <a:buChar char="•"/>
             </a:pPr>
             <a:r>
-              <a:rPr lang="en-US" sz="1050" dirty="0" smtClean="0">
+              <a:rPr lang="en-US" sz="1050" dirty="0">
                 <a:solidFill>
                   <a:prstClr val="black">
                     <a:lumMod val="65000"/>
@@ -5605,7 +5507,7 @@
               <a:buChar char="•"/>
             </a:pPr>
             <a:r>
-              <a:rPr lang="en-US" sz="1050" dirty="0" smtClean="0">
+              <a:rPr lang="en-US" sz="1050" dirty="0">
                 <a:solidFill>
                   <a:prstClr val="black">
                     <a:lumMod val="65000"/>
@@ -5624,7 +5526,7 @@
               <a:buChar char="•"/>
             </a:pPr>
             <a:r>
-              <a:rPr lang="en-US" sz="1050" dirty="0" smtClean="0">
+              <a:rPr lang="en-US" sz="1050" dirty="0">
                 <a:solidFill>
                   <a:prstClr val="black">
                     <a:lumMod val="65000"/>
@@ -5650,13 +5552,6 @@
   <p:clrMapOvr>
     <a:masterClrMapping/>
   </p:clrMapOvr>
-  <p:timing>
-    <p:tnLst>
-      <p:par>
-        <p:cTn id="1" dur="indefinite" restart="never" nodeType="tmRoot"/>
-      </p:par>
-    </p:tnLst>
-  </p:timing>
 </p:sld>
 </file>
 
@@ -5795,7 +5690,7 @@
               <a:defRPr/>
             </a:pPr>
             <a:r>
-              <a:rPr lang="en-US" sz="2800" dirty="0" smtClean="0">
+              <a:rPr lang="en-US" sz="2800" dirty="0">
                 <a:solidFill>
                   <a:prstClr val="black"/>
                 </a:solidFill>
@@ -5877,7 +5772,7 @@
                 <a:defRPr/>
               </a:pPr>
               <a:r>
-                <a:rPr kumimoji="0" lang="en-US" sz="1050" b="1" i="0" u="none" strike="noStrike" kern="1200" cap="none" spc="0" normalizeH="0" baseline="0" noProof="0" dirty="0" smtClean="0">
+                <a:rPr kumimoji="0" lang="en-US" sz="1050" b="1" i="0" u="none" strike="noStrike" kern="1200" cap="none" spc="0" normalizeH="0" baseline="0" noProof="0" dirty="0">
                   <a:ln>
                     <a:noFill/>
                   </a:ln>
@@ -5949,7 +5844,7 @@
                 <a:defRPr/>
               </a:pPr>
               <a:r>
-                <a:rPr lang="en-US" sz="1050" dirty="0" smtClean="0">
+                <a:rPr lang="en-US" sz="1050" dirty="0">
                   <a:solidFill>
                     <a:prstClr val="black">
                       <a:lumMod val="65000"/>
@@ -5998,7 +5893,7 @@
                 <a:defRPr/>
               </a:pPr>
               <a:r>
-                <a:rPr lang="en-US" sz="1050" dirty="0" smtClean="0">
+                <a:rPr lang="en-US" sz="1050" dirty="0">
                   <a:solidFill>
                     <a:prstClr val="black">
                       <a:lumMod val="65000"/>
@@ -6030,7 +5925,7 @@
                 <a:defRPr/>
               </a:pPr>
               <a:r>
-                <a:rPr kumimoji="0" lang="en-US" sz="1050" b="0" i="0" u="none" strike="noStrike" kern="1200" cap="none" spc="0" normalizeH="0" baseline="0" noProof="0" dirty="0" smtClean="0">
+                <a:rPr kumimoji="0" lang="en-US" sz="1050" b="0" i="0" u="none" strike="noStrike" kern="1200" cap="none" spc="0" normalizeH="0" baseline="0" noProof="0" dirty="0">
                   <a:ln>
                     <a:noFill/>
                   </a:ln>
@@ -6069,7 +5964,7 @@
                 <a:defRPr/>
               </a:pPr>
               <a:r>
-                <a:rPr lang="en-US" sz="1050" dirty="0" smtClean="0">
+                <a:rPr lang="en-US" sz="1050" dirty="0">
                   <a:solidFill>
                     <a:prstClr val="black">
                       <a:lumMod val="65000"/>
@@ -6216,7 +6111,7 @@
                 <a:defRPr/>
               </a:pPr>
               <a:r>
-                <a:rPr lang="en-US" sz="1050" dirty="0" smtClean="0">
+                <a:rPr lang="en-US" sz="1050" dirty="0">
                   <a:solidFill>
                     <a:prstClr val="black">
                       <a:lumMod val="65000"/>
@@ -6228,7 +6123,7 @@
                 </a:rPr>
                 <a:t>Finding it very hard to find the right tutorial in the ITLC due to constant change in the schedule</a:t>
               </a:r>
-              <a:endParaRPr kumimoji="0" lang="en-US" sz="1050" b="0" i="0" u="none" strike="noStrike" kern="1200" cap="none" spc="0" normalizeH="0" baseline="0" noProof="0" dirty="0" smtClean="0">
+              <a:endParaRPr kumimoji="0" lang="en-US" sz="1050" b="0" i="0" u="none" strike="noStrike" kern="1200" cap="none" spc="0" normalizeH="0" baseline="0" noProof="0" dirty="0">
                 <a:ln>
                   <a:noFill/>
                 </a:ln>
@@ -6313,7 +6208,7 @@
                         <a:defRPr/>
                       </a:pPr>
                       <a:r>
-                        <a:rPr lang="en-US" sz="1000" b="1" dirty="0" smtClean="0">
+                        <a:rPr lang="en-US" sz="1000" b="1" dirty="0">
                           <a:solidFill>
                             <a:schemeClr val="tx1">
                               <a:lumMod val="65000"/>
@@ -6372,7 +6267,7 @@
                         <a:defRPr/>
                       </a:pPr>
                       <a:r>
-                        <a:rPr kumimoji="0" lang="en-US" sz="1000" b="0" i="0" u="none" strike="noStrike" kern="1200" cap="none" spc="0" normalizeH="0" baseline="0" noProof="0" dirty="0" smtClean="0">
+                        <a:rPr kumimoji="0" lang="en-US" sz="1000" b="0" i="0" u="none" strike="noStrike" kern="1200" cap="none" spc="0" normalizeH="0" baseline="0" noProof="0" dirty="0">
                           <a:ln>
                             <a:noFill/>
                           </a:ln>
@@ -6446,7 +6341,7 @@
                         </a:spcBef>
                       </a:pPr>
                       <a:r>
-                        <a:rPr lang="en-US" sz="1000" b="1" dirty="0" smtClean="0">
+                        <a:rPr lang="en-US" sz="1000" b="1" dirty="0">
                           <a:solidFill>
                             <a:schemeClr val="tx1">
                               <a:lumMod val="65000"/>
@@ -6513,7 +6408,7 @@
                         <a:defRPr/>
                       </a:pPr>
                       <a:r>
-                        <a:rPr kumimoji="0" lang="en-US" sz="1000" b="0" i="0" u="none" strike="noStrike" kern="1200" cap="none" spc="0" normalizeH="0" baseline="0" noProof="0" dirty="0" smtClean="0">
+                        <a:rPr kumimoji="0" lang="en-US" sz="1000" b="0" i="0" u="none" strike="noStrike" kern="1200" cap="none" spc="0" normalizeH="0" baseline="0" noProof="0" dirty="0">
                           <a:ln>
                             <a:noFill/>
                           </a:ln>
@@ -6532,23 +6427,6 @@
                         </a:rPr>
                         <a:t>Student (DKIT)</a:t>
                       </a:r>
-                      <a:endParaRPr kumimoji="0" lang="en-US" sz="1000" b="0" i="0" u="none" strike="noStrike" kern="1200" cap="none" spc="0" normalizeH="0" baseline="0" noProof="0" dirty="0" smtClean="0">
-                        <a:ln>
-                          <a:noFill/>
-                        </a:ln>
-                        <a:solidFill>
-                          <a:schemeClr val="tx1">
-                            <a:lumMod val="65000"/>
-                            <a:lumOff val="35000"/>
-                          </a:schemeClr>
-                        </a:solidFill>
-                        <a:effectLst/>
-                        <a:uLnTx/>
-                        <a:uFillTx/>
-                        <a:latin typeface="Calibri Light"/>
-                        <a:ea typeface="+mn-ea"/>
-                        <a:cs typeface="Calibri Light"/>
-                      </a:endParaRPr>
                     </a:p>
                   </a:txBody>
                   <a:tcPr marR="108000" marT="165600" marB="0">
@@ -6596,7 +6474,7 @@
                         </a:spcBef>
                       </a:pPr>
                       <a:r>
-                        <a:rPr lang="en-US" sz="1000" b="1" dirty="0" smtClean="0">
+                        <a:rPr lang="en-US" sz="1000" b="1" dirty="0">
                           <a:solidFill>
                             <a:schemeClr val="tx1">
                               <a:lumMod val="65000"/>
@@ -6663,7 +6541,7 @@
                         <a:defRPr/>
                       </a:pPr>
                       <a:r>
-                        <a:rPr lang="en-US" sz="1000" dirty="0" smtClean="0">
+                        <a:rPr lang="en-US" sz="1000" dirty="0">
                           <a:solidFill>
                             <a:schemeClr val="tx1">
                               <a:lumMod val="65000"/>
@@ -6676,7 +6554,7 @@
                         <a:t>Leaving</a:t>
                       </a:r>
                       <a:r>
-                        <a:rPr lang="en-US" sz="1000" baseline="0" dirty="0" smtClean="0">
+                        <a:rPr lang="en-US" sz="1000" baseline="0" dirty="0">
                           <a:solidFill>
                             <a:schemeClr val="tx1">
                               <a:lumMod val="65000"/>
@@ -6688,7 +6566,7 @@
                         </a:rPr>
                         <a:t> Certificate, Bachelors Degree in Computing (Y1)</a:t>
                       </a:r>
-                      <a:endParaRPr lang="en-US" sz="1000" dirty="0" smtClean="0">
+                      <a:endParaRPr lang="en-US" sz="1000" dirty="0">
                         <a:solidFill>
                           <a:schemeClr val="tx1">
                             <a:lumMod val="65000"/>
@@ -6745,7 +6623,7 @@
                         </a:spcBef>
                       </a:pPr>
                       <a:r>
-                        <a:rPr lang="en-US" sz="1000" b="1" dirty="0" smtClean="0">
+                        <a:rPr lang="en-US" sz="1000" b="1" dirty="0">
                           <a:solidFill>
                             <a:schemeClr val="tx1">
                               <a:lumMod val="65000"/>
@@ -6812,7 +6690,7 @@
                         <a:defRPr/>
                       </a:pPr>
                       <a:r>
-                        <a:rPr kumimoji="0" lang="en-US" sz="1000" b="0" i="0" u="none" strike="noStrike" kern="1200" cap="none" spc="0" normalizeH="0" baseline="0" noProof="0" dirty="0" smtClean="0">
+                        <a:rPr kumimoji="0" lang="en-US" sz="1000" b="0" i="0" u="none" strike="noStrike" kern="1200" cap="none" spc="0" normalizeH="0" baseline="0" noProof="0" dirty="0">
                           <a:ln>
                             <a:noFill/>
                           </a:ln>
@@ -6831,23 +6709,6 @@
                         </a:rPr>
                         <a:t>Dundalk</a:t>
                       </a:r>
-                      <a:endParaRPr kumimoji="0" lang="en-US" sz="1000" b="0" i="0" u="none" strike="noStrike" kern="1200" cap="none" spc="0" normalizeH="0" baseline="0" noProof="0" dirty="0" smtClean="0">
-                        <a:ln>
-                          <a:noFill/>
-                        </a:ln>
-                        <a:solidFill>
-                          <a:schemeClr val="tx1">
-                            <a:lumMod val="65000"/>
-                            <a:lumOff val="35000"/>
-                          </a:schemeClr>
-                        </a:solidFill>
-                        <a:effectLst/>
-                        <a:uLnTx/>
-                        <a:uFillTx/>
-                        <a:latin typeface="Calibri Light"/>
-                        <a:ea typeface="+mn-ea"/>
-                        <a:cs typeface="Calibri Light"/>
-                      </a:endParaRPr>
                     </a:p>
                   </a:txBody>
                   <a:tcPr marR="108000" marT="165600" marB="0">
@@ -6895,7 +6756,7 @@
                         </a:spcBef>
                       </a:pPr>
                       <a:r>
-                        <a:rPr lang="en-US" sz="1000" b="1" dirty="0" smtClean="0">
+                        <a:rPr lang="en-US" sz="1000" b="1" dirty="0">
                           <a:solidFill>
                             <a:schemeClr val="tx1">
                               <a:lumMod val="65000"/>
@@ -6962,7 +6823,7 @@
                         <a:defRPr/>
                       </a:pPr>
                       <a:r>
-                        <a:rPr kumimoji="0" lang="en-US" sz="1000" b="0" i="0" u="none" strike="noStrike" kern="1200" cap="none" spc="0" normalizeH="0" baseline="0" noProof="0" dirty="0" smtClean="0">
+                        <a:rPr kumimoji="0" lang="en-US" sz="1000" b="0" i="0" u="none" strike="noStrike" kern="1200" cap="none" spc="0" normalizeH="0" baseline="0" noProof="0" dirty="0">
                           <a:ln>
                             <a:noFill/>
                           </a:ln>
@@ -6981,23 +6842,6 @@
                         </a:rPr>
                         <a:t>Friendly, Outgoing</a:t>
                       </a:r>
-                      <a:endParaRPr kumimoji="0" lang="en-US" sz="1000" b="0" i="0" u="none" strike="noStrike" kern="1200" cap="none" spc="0" normalizeH="0" baseline="0" noProof="0" dirty="0" smtClean="0">
-                        <a:ln>
-                          <a:noFill/>
-                        </a:ln>
-                        <a:solidFill>
-                          <a:schemeClr val="tx1">
-                            <a:lumMod val="65000"/>
-                            <a:lumOff val="35000"/>
-                          </a:schemeClr>
-                        </a:solidFill>
-                        <a:effectLst/>
-                        <a:uLnTx/>
-                        <a:uFillTx/>
-                        <a:latin typeface="Calibri Light"/>
-                        <a:ea typeface="+mn-ea"/>
-                        <a:cs typeface="Calibri Light"/>
-                      </a:endParaRPr>
                     </a:p>
                   </a:txBody>
                   <a:tcPr marR="108000" marT="165600" marB="0">
@@ -7090,7 +6934,7 @@
                 <a:defRPr/>
               </a:pPr>
               <a:r>
-                <a:rPr kumimoji="0" lang="en-US" sz="1050" b="1" i="0" u="none" strike="noStrike" kern="1200" cap="none" spc="0" normalizeH="0" baseline="0" noProof="0" smtClean="0">
+                <a:rPr kumimoji="0" lang="en-US" sz="1050" b="1" i="0" u="none" strike="noStrike" kern="1200" cap="none" spc="0" normalizeH="0" baseline="0" noProof="0">
                   <a:ln>
                     <a:noFill/>
                   </a:ln>
@@ -7161,7 +7005,7 @@
                 <a:tabLst/>
                 <a:defRPr/>
               </a:pPr>
-              <a:endParaRPr kumimoji="0" lang="en-US" sz="1050" b="0" i="0" u="none" strike="noStrike" kern="1200" cap="none" spc="0" normalizeH="0" baseline="0" noProof="0" dirty="0" smtClean="0">
+              <a:endParaRPr kumimoji="0" lang="en-US" sz="1050" b="0" i="0" u="none" strike="noStrike" kern="1200" cap="none" spc="0" normalizeH="0" baseline="0" noProof="0" dirty="0">
                 <a:ln>
                   <a:noFill/>
                 </a:ln>
@@ -7238,7 +7082,7 @@
                 <a:defRPr/>
               </a:pPr>
               <a:r>
-                <a:rPr kumimoji="0" lang="en-US" sz="1050" b="1" i="0" u="none" strike="noStrike" kern="1200" cap="none" spc="0" normalizeH="0" baseline="0" noProof="0" dirty="0" smtClean="0">
+                <a:rPr kumimoji="0" lang="en-US" sz="1050" b="1" i="0" u="none" strike="noStrike" kern="1200" cap="none" spc="0" normalizeH="0" baseline="0" noProof="0" dirty="0">
                   <a:ln>
                     <a:noFill/>
                   </a:ln>
@@ -7310,7 +7154,7 @@
                 <a:defRPr/>
               </a:pPr>
               <a:r>
-                <a:rPr kumimoji="0" lang="en-US" sz="1050" b="0" i="0" u="none" strike="noStrike" kern="1200" cap="none" spc="0" normalizeH="0" baseline="0" noProof="0" dirty="0" smtClean="0">
+                <a:rPr kumimoji="0" lang="en-US" sz="1050" b="0" i="0" u="none" strike="noStrike" kern="1200" cap="none" spc="0" normalizeH="0" baseline="0" noProof="0" dirty="0">
                   <a:ln>
                     <a:noFill/>
                   </a:ln>
@@ -7349,7 +7193,7 @@
                 <a:defRPr/>
               </a:pPr>
               <a:r>
-                <a:rPr lang="en-US" sz="1050" dirty="0" smtClean="0">
+                <a:rPr lang="en-US" sz="1050" dirty="0">
                   <a:solidFill>
                     <a:prstClr val="black">
                       <a:lumMod val="65000"/>
@@ -7361,7 +7205,7 @@
                 </a:rPr>
                 <a:t>Photography</a:t>
               </a:r>
-              <a:endParaRPr kumimoji="0" lang="en-US" sz="1050" b="0" i="0" u="none" strike="noStrike" kern="1200" cap="none" spc="0" normalizeH="0" baseline="0" noProof="0" dirty="0" smtClean="0">
+              <a:endParaRPr kumimoji="0" lang="en-US" sz="1050" b="0" i="0" u="none" strike="noStrike" kern="1200" cap="none" spc="0" normalizeH="0" baseline="0" noProof="0" dirty="0">
                 <a:ln>
                   <a:noFill/>
                 </a:ln>
@@ -7398,7 +7242,7 @@
                 <a:defRPr/>
               </a:pPr>
               <a:r>
-                <a:rPr lang="en-US" sz="1050" dirty="0" smtClean="0">
+                <a:rPr lang="en-US" sz="1050" dirty="0">
                   <a:solidFill>
                     <a:prstClr val="black">
                       <a:lumMod val="65000"/>
@@ -7410,7 +7254,7 @@
                 </a:rPr>
                 <a:t>Fitness</a:t>
               </a:r>
-              <a:endParaRPr kumimoji="0" lang="en-US" sz="1050" b="0" i="0" u="none" strike="noStrike" kern="1200" cap="none" spc="0" normalizeH="0" baseline="0" noProof="0" dirty="0" smtClean="0">
+              <a:endParaRPr kumimoji="0" lang="en-US" sz="1050" b="0" i="0" u="none" strike="noStrike" kern="1200" cap="none" spc="0" normalizeH="0" baseline="0" noProof="0" dirty="0">
                 <a:ln>
                   <a:noFill/>
                 </a:ln>
@@ -7484,7 +7328,7 @@
                 <a:defRPr/>
               </a:pPr>
               <a:r>
-                <a:rPr kumimoji="0" lang="en-US" sz="1400" b="0" i="0" u="none" strike="noStrike" kern="1200" cap="none" spc="0" normalizeH="0" baseline="0" noProof="0" dirty="0" smtClean="0">
+                <a:rPr kumimoji="0" lang="en-US" sz="1400" b="0" i="0" u="none" strike="noStrike" kern="1200" cap="none" spc="0" normalizeH="0" baseline="0" noProof="0" dirty="0">
                   <a:ln>
                     <a:noFill/>
                   </a:ln>
@@ -7542,7 +7386,7 @@
                 <a:defRPr/>
               </a:pPr>
               <a:r>
-                <a:rPr kumimoji="0" lang="en-US" sz="2800" b="0" i="0" u="none" strike="noStrike" kern="1200" cap="none" spc="0" normalizeH="0" baseline="0" noProof="0" dirty="0" smtClean="0">
+                <a:rPr kumimoji="0" lang="en-US" sz="2800" b="0" i="0" u="none" strike="noStrike" kern="1200" cap="none" spc="0" normalizeH="0" baseline="0" noProof="0" dirty="0">
                   <a:ln>
                     <a:noFill/>
                   </a:ln>
@@ -7614,7 +7458,7 @@
                 <a:defRPr/>
               </a:pPr>
               <a:r>
-                <a:rPr lang="en-US" sz="1100" b="1" dirty="0" smtClean="0">
+                <a:rPr lang="en-US" sz="1100" b="1" dirty="0">
                   <a:solidFill>
                     <a:srgbClr val="398DFF"/>
                   </a:solidFill>
@@ -7622,7 +7466,7 @@
                 </a:rPr>
                 <a:t>Enthusiastic about programming</a:t>
               </a:r>
-              <a:endParaRPr kumimoji="0" lang="en-US" sz="1100" b="1" i="0" u="none" strike="noStrike" kern="1200" cap="none" spc="0" normalizeH="0" baseline="0" noProof="0" dirty="0" smtClean="0">
+              <a:endParaRPr kumimoji="0" lang="en-US" sz="1100" b="1" i="0" u="none" strike="noStrike" kern="1200" cap="none" spc="0" normalizeH="0" baseline="0" noProof="0" dirty="0">
                 <a:ln>
                   <a:noFill/>
                 </a:ln>
@@ -7678,7 +7522,7 @@
                 <a:defRPr/>
               </a:pPr>
               <a:r>
-                <a:rPr lang="en-US" sz="1400" noProof="0" dirty="0" smtClean="0">
+                <a:rPr lang="en-US" sz="1400" noProof="0" dirty="0">
                   <a:solidFill>
                     <a:srgbClr val="398DFF"/>
                   </a:solidFill>
@@ -7687,7 +7531,7 @@
                 </a:rPr>
                 <a:t>Likes to try new things</a:t>
               </a:r>
-              <a:endParaRPr kumimoji="0" lang="en-US" sz="1400" b="0" i="0" u="none" strike="noStrike" kern="1200" cap="none" spc="0" normalizeH="0" baseline="0" noProof="0" dirty="0" smtClean="0">
+              <a:endParaRPr kumimoji="0" lang="en-US" sz="1400" b="0" i="0" u="none" strike="noStrike" kern="1200" cap="none" spc="0" normalizeH="0" baseline="0" noProof="0" dirty="0">
                 <a:ln>
                   <a:noFill/>
                 </a:ln>
@@ -7743,7 +7587,7 @@
                 <a:defRPr/>
               </a:pPr>
               <a:r>
-                <a:rPr lang="en-US" sz="1100" dirty="0" smtClean="0">
+                <a:rPr lang="en-US" sz="1100" dirty="0">
                   <a:solidFill>
                     <a:srgbClr val="398DFF"/>
                   </a:solidFill>
@@ -7753,7 +7597,7 @@
                 <a:t>Very regularly</a:t>
               </a:r>
               <a:r>
-                <a:rPr kumimoji="0" lang="en-US" sz="1100" b="0" i="0" u="none" strike="noStrike" kern="1200" cap="none" spc="0" normalizeH="0" baseline="0" noProof="0" dirty="0" smtClean="0">
+                <a:rPr kumimoji="0" lang="en-US" sz="1100" b="0" i="0" u="none" strike="noStrike" kern="1200" cap="none" spc="0" normalizeH="0" baseline="0" noProof="0" dirty="0">
                   <a:ln>
                     <a:noFill/>
                   </a:ln>
@@ -7769,20 +7613,6 @@
                 </a:rPr>
                 <a:t> uses social media</a:t>
               </a:r>
-              <a:endParaRPr kumimoji="0" lang="en-US" sz="1100" b="0" i="0" u="none" strike="noStrike" kern="1200" cap="none" spc="0" normalizeH="0" baseline="0" noProof="0" dirty="0">
-                <a:ln>
-                  <a:noFill/>
-                </a:ln>
-                <a:solidFill>
-                  <a:srgbClr val="398DFF"/>
-                </a:solidFill>
-                <a:effectLst/>
-                <a:uLnTx/>
-                <a:uFillTx/>
-                <a:latin typeface="Calibri Light"/>
-                <a:ea typeface="+mn-ea"/>
-                <a:cs typeface="Calibri Light"/>
-              </a:endParaRPr>
             </a:p>
           </p:txBody>
         </p:sp>
@@ -7865,7 +7695,7 @@
                 <a:defRPr/>
               </a:pPr>
               <a:r>
-                <a:rPr kumimoji="0" lang="en-US" sz="800" b="0" i="0" u="none" strike="noStrike" kern="1200" cap="none" spc="0" normalizeH="0" baseline="0" noProof="0" dirty="0" smtClean="0">
+                <a:rPr kumimoji="0" lang="en-US" sz="800" b="0" i="0" u="none" strike="noStrike" kern="1200" cap="none" spc="0" normalizeH="0" baseline="0" noProof="0" dirty="0">
                   <a:ln>
                     <a:noFill/>
                   </a:ln>
@@ -7901,7 +7731,7 @@
                 <a:defRPr/>
               </a:pPr>
               <a:r>
-                <a:rPr kumimoji="0" lang="en-US" sz="800" b="0" i="0" u="none" strike="noStrike" kern="1200" cap="none" spc="0" normalizeH="0" baseline="0" noProof="0" dirty="0" smtClean="0">
+                <a:rPr kumimoji="0" lang="en-US" sz="800" b="0" i="0" u="none" strike="noStrike" kern="1200" cap="none" spc="0" normalizeH="0" baseline="0" noProof="0" dirty="0">
                   <a:ln>
                     <a:noFill/>
                   </a:ln>
@@ -7917,20 +7747,6 @@
                 </a:rPr>
                 <a:t>www.blog.filestage.io</a:t>
               </a:r>
-              <a:endParaRPr kumimoji="0" lang="en-US" sz="800" b="0" i="0" u="none" strike="noStrike" kern="1200" cap="none" spc="0" normalizeH="0" baseline="0" noProof="0" dirty="0">
-                <a:ln>
-                  <a:noFill/>
-                </a:ln>
-                <a:solidFill>
-                  <a:prstClr val="black"/>
-                </a:solidFill>
-                <a:effectLst/>
-                <a:uLnTx/>
-                <a:uFillTx/>
-                <a:latin typeface="Calibri"/>
-                <a:ea typeface="+mn-ea"/>
-                <a:cs typeface="+mn-cs"/>
-              </a:endParaRPr>
             </a:p>
           </p:txBody>
         </p:sp>
@@ -7992,7 +7808,7 @@
               <a:buChar char="•"/>
             </a:pPr>
             <a:r>
-              <a:rPr lang="en-US" sz="1050" noProof="0" dirty="0" smtClean="0">
+              <a:rPr lang="en-US" sz="1050" noProof="0" dirty="0">
                 <a:solidFill>
                   <a:prstClr val="black">
                     <a:lumMod val="65000"/>
@@ -8011,7 +7827,7 @@
               <a:buChar char="•"/>
             </a:pPr>
             <a:r>
-              <a:rPr kumimoji="0" lang="en-US" sz="1050" b="0" i="0" u="none" strike="noStrike" kern="1200" cap="none" spc="0" normalizeH="0" baseline="0" dirty="0" smtClean="0">
+              <a:rPr kumimoji="0" lang="en-US" sz="1050" b="0" i="0" u="none" strike="noStrike" kern="1200" cap="none" spc="0" normalizeH="0" baseline="0" dirty="0">
                 <a:ln>
                   <a:noFill/>
                 </a:ln>
@@ -8031,7 +7847,7 @@
               <a:t>Contact</a:t>
             </a:r>
             <a:r>
-              <a:rPr kumimoji="0" lang="en-US" sz="1050" b="0" i="0" u="none" strike="noStrike" kern="1200" cap="none" spc="0" normalizeH="0" dirty="0" smtClean="0">
+              <a:rPr kumimoji="0" lang="en-US" sz="1050" b="0" i="0" u="none" strike="noStrike" kern="1200" cap="none" spc="0" normalizeH="0" dirty="0">
                 <a:ln>
                   <a:noFill/>
                 </a:ln>
@@ -8077,13 +7893,6 @@
   <p:clrMapOvr>
     <a:masterClrMapping/>
   </p:clrMapOvr>
-  <p:timing>
-    <p:tnLst>
-      <p:par>
-        <p:cTn id="1" dur="indefinite" restart="never" nodeType="tmRoot"/>
-      </p:par>
-    </p:tnLst>
-  </p:timing>
 </p:sld>
 </file>
 
@@ -8222,7 +8031,7 @@
               <a:defRPr/>
             </a:pPr>
             <a:r>
-              <a:rPr lang="en-US" sz="2800" dirty="0" smtClean="0">
+              <a:rPr lang="en-US" sz="2800" dirty="0">
                 <a:solidFill>
                   <a:prstClr val="black"/>
                 </a:solidFill>
@@ -8304,7 +8113,7 @@
                 <a:defRPr/>
               </a:pPr>
               <a:r>
-                <a:rPr kumimoji="0" lang="en-US" sz="1050" b="1" i="0" u="none" strike="noStrike" kern="1200" cap="none" spc="0" normalizeH="0" baseline="0" noProof="0" dirty="0" smtClean="0">
+                <a:rPr kumimoji="0" lang="en-US" sz="1050" b="1" i="0" u="none" strike="noStrike" kern="1200" cap="none" spc="0" normalizeH="0" baseline="0" noProof="0" dirty="0">
                   <a:ln>
                     <a:noFill/>
                   </a:ln>
@@ -8376,7 +8185,7 @@
                 <a:defRPr/>
               </a:pPr>
               <a:r>
-                <a:rPr lang="en-US" sz="1050" dirty="0" smtClean="0">
+                <a:rPr lang="en-US" sz="1050" dirty="0">
                   <a:solidFill>
                     <a:prstClr val="black">
                       <a:lumMod val="65000"/>
@@ -8425,7 +8234,7 @@
                 <a:defRPr/>
               </a:pPr>
               <a:r>
-                <a:rPr lang="en-US" sz="1050" noProof="0" dirty="0" smtClean="0">
+                <a:rPr lang="en-US" sz="1050" noProof="0" dirty="0">
                   <a:solidFill>
                     <a:prstClr val="black">
                       <a:lumMod val="65000"/>
@@ -8437,7 +8246,7 @@
                 </a:rPr>
                 <a:t>Notified of changes to the schedule so he can manage his time better</a:t>
               </a:r>
-              <a:endParaRPr kumimoji="0" lang="en-US" sz="1050" b="0" i="0" u="none" strike="noStrike" kern="1200" cap="none" spc="0" normalizeH="0" baseline="0" noProof="0" dirty="0" smtClean="0">
+              <a:endParaRPr kumimoji="0" lang="en-US" sz="1050" b="0" i="0" u="none" strike="noStrike" kern="1200" cap="none" spc="0" normalizeH="0" baseline="0" noProof="0" dirty="0">
                 <a:ln>
                   <a:noFill/>
                 </a:ln>
@@ -8474,7 +8283,7 @@
                 <a:defRPr/>
               </a:pPr>
               <a:r>
-                <a:rPr lang="en-US" sz="1050" noProof="0" dirty="0" smtClean="0">
+                <a:rPr lang="en-US" sz="1050" noProof="0" dirty="0">
                   <a:solidFill>
                     <a:prstClr val="black">
                       <a:lumMod val="65000"/>
@@ -8486,7 +8295,7 @@
                 </a:rPr>
                 <a:t>Fast means of contacting mentors</a:t>
               </a:r>
-              <a:endParaRPr kumimoji="0" lang="en-US" sz="1050" b="0" i="0" u="none" strike="noStrike" kern="1200" cap="none" spc="0" normalizeH="0" baseline="0" noProof="0" dirty="0" smtClean="0">
+              <a:endParaRPr kumimoji="0" lang="en-US" sz="1050" b="0" i="0" u="none" strike="noStrike" kern="1200" cap="none" spc="0" normalizeH="0" baseline="0" noProof="0" dirty="0">
                 <a:ln>
                   <a:noFill/>
                 </a:ln>
@@ -8621,7 +8430,7 @@
                 <a:defRPr/>
               </a:pPr>
               <a:r>
-                <a:rPr lang="en-US" sz="1050" dirty="0" smtClean="0">
+                <a:rPr lang="en-US" sz="1050" dirty="0">
                   <a:solidFill>
                     <a:prstClr val="black">
                       <a:lumMod val="65000"/>
@@ -8633,7 +8442,7 @@
                 </a:rPr>
                 <a:t>Not being able to find the right mentor who would be educated enough to effectively help him with certain topics</a:t>
               </a:r>
-              <a:endParaRPr kumimoji="0" lang="en-US" sz="1050" b="0" i="0" u="none" strike="noStrike" kern="1200" cap="none" spc="0" normalizeH="0" baseline="0" noProof="0" dirty="0" smtClean="0">
+              <a:endParaRPr kumimoji="0" lang="en-US" sz="1050" b="0" i="0" u="none" strike="noStrike" kern="1200" cap="none" spc="0" normalizeH="0" baseline="0" noProof="0" dirty="0">
                 <a:ln>
                   <a:noFill/>
                 </a:ln>
@@ -8718,7 +8527,7 @@
                         <a:defRPr/>
                       </a:pPr>
                       <a:r>
-                        <a:rPr lang="en-US" sz="1000" b="1" dirty="0" smtClean="0">
+                        <a:rPr lang="en-US" sz="1000" b="1" dirty="0">
                           <a:solidFill>
                             <a:schemeClr val="tx1">
                               <a:lumMod val="65000"/>
@@ -8777,7 +8586,7 @@
                         <a:defRPr/>
                       </a:pPr>
                       <a:r>
-                        <a:rPr kumimoji="0" lang="en-US" sz="1000" b="0" i="0" u="none" strike="noStrike" kern="1200" cap="none" spc="0" normalizeH="0" baseline="0" noProof="0" dirty="0" smtClean="0">
+                        <a:rPr kumimoji="0" lang="en-US" sz="1000" b="0" i="0" u="none" strike="noStrike" kern="1200" cap="none" spc="0" normalizeH="0" baseline="0" noProof="0" dirty="0">
                           <a:ln>
                             <a:noFill/>
                           </a:ln>
@@ -8851,7 +8660,7 @@
                         </a:spcBef>
                       </a:pPr>
                       <a:r>
-                        <a:rPr lang="en-US" sz="1000" b="1" dirty="0" smtClean="0">
+                        <a:rPr lang="en-US" sz="1000" b="1" dirty="0">
                           <a:solidFill>
                             <a:schemeClr val="tx1">
                               <a:lumMod val="65000"/>
@@ -8918,7 +8727,7 @@
                         <a:defRPr/>
                       </a:pPr>
                       <a:r>
-                        <a:rPr kumimoji="0" lang="en-US" sz="1000" b="0" i="0" u="none" strike="noStrike" kern="1200" cap="none" spc="0" normalizeH="0" baseline="0" noProof="0" dirty="0" smtClean="0">
+                        <a:rPr kumimoji="0" lang="en-US" sz="1000" b="0" i="0" u="none" strike="noStrike" kern="1200" cap="none" spc="0" normalizeH="0" baseline="0" noProof="0" dirty="0">
                           <a:ln>
                             <a:noFill/>
                           </a:ln>
@@ -8937,23 +8746,6 @@
                         </a:rPr>
                         <a:t>Student (DKIT)</a:t>
                       </a:r>
-                      <a:endParaRPr kumimoji="0" lang="en-US" sz="1000" b="0" i="0" u="none" strike="noStrike" kern="1200" cap="none" spc="0" normalizeH="0" baseline="0" noProof="0" dirty="0" smtClean="0">
-                        <a:ln>
-                          <a:noFill/>
-                        </a:ln>
-                        <a:solidFill>
-                          <a:schemeClr val="tx1">
-                            <a:lumMod val="65000"/>
-                            <a:lumOff val="35000"/>
-                          </a:schemeClr>
-                        </a:solidFill>
-                        <a:effectLst/>
-                        <a:uLnTx/>
-                        <a:uFillTx/>
-                        <a:latin typeface="Calibri Light"/>
-                        <a:ea typeface="+mn-ea"/>
-                        <a:cs typeface="Calibri Light"/>
-                      </a:endParaRPr>
                     </a:p>
                   </a:txBody>
                   <a:tcPr marR="108000" marT="165600" marB="0">
@@ -9001,7 +8793,7 @@
                         </a:spcBef>
                       </a:pPr>
                       <a:r>
-                        <a:rPr lang="en-US" sz="1000" b="1" dirty="0" smtClean="0">
+                        <a:rPr lang="en-US" sz="1000" b="1" dirty="0">
                           <a:solidFill>
                             <a:schemeClr val="tx1">
                               <a:lumMod val="65000"/>
@@ -9068,7 +8860,7 @@
                         <a:defRPr/>
                       </a:pPr>
                       <a:r>
-                        <a:rPr lang="en-US" sz="1000" dirty="0" smtClean="0">
+                        <a:rPr lang="en-US" sz="1000" dirty="0">
                           <a:solidFill>
                             <a:schemeClr val="tx1">
                               <a:lumMod val="65000"/>
@@ -9081,7 +8873,7 @@
                         <a:t>Leaving</a:t>
                       </a:r>
                       <a:r>
-                        <a:rPr lang="en-US" sz="1000" baseline="0" dirty="0" smtClean="0">
+                        <a:rPr lang="en-US" sz="1000" baseline="0" dirty="0">
                           <a:solidFill>
                             <a:schemeClr val="tx1">
                               <a:lumMod val="65000"/>
@@ -9093,7 +8885,7 @@
                         </a:rPr>
                         <a:t> Certificate, Bachelors Degree in Computing (Y4)</a:t>
                       </a:r>
-                      <a:endParaRPr lang="en-US" sz="1000" dirty="0" smtClean="0">
+                      <a:endParaRPr lang="en-US" sz="1000" dirty="0">
                         <a:solidFill>
                           <a:schemeClr val="tx1">
                             <a:lumMod val="65000"/>
@@ -9150,7 +8942,7 @@
                         </a:spcBef>
                       </a:pPr>
                       <a:r>
-                        <a:rPr lang="en-US" sz="1000" b="1" dirty="0" smtClean="0">
+                        <a:rPr lang="en-US" sz="1000" b="1" dirty="0">
                           <a:solidFill>
                             <a:schemeClr val="tx1">
                               <a:lumMod val="65000"/>
@@ -9217,7 +9009,7 @@
                         <a:defRPr/>
                       </a:pPr>
                       <a:r>
-                        <a:rPr kumimoji="0" lang="en-US" sz="1000" b="0" i="0" u="none" strike="noStrike" kern="1200" cap="none" spc="0" normalizeH="0" baseline="0" noProof="0" dirty="0" smtClean="0">
+                        <a:rPr kumimoji="0" lang="en-US" sz="1000" b="0" i="0" u="none" strike="noStrike" kern="1200" cap="none" spc="0" normalizeH="0" baseline="0" noProof="0" dirty="0">
                           <a:ln>
                             <a:noFill/>
                           </a:ln>
@@ -9236,23 +9028,6 @@
                         </a:rPr>
                         <a:t>Dundalk</a:t>
                       </a:r>
-                      <a:endParaRPr kumimoji="0" lang="en-US" sz="1000" b="0" i="0" u="none" strike="noStrike" kern="1200" cap="none" spc="0" normalizeH="0" baseline="0" noProof="0" dirty="0" smtClean="0">
-                        <a:ln>
-                          <a:noFill/>
-                        </a:ln>
-                        <a:solidFill>
-                          <a:schemeClr val="tx1">
-                            <a:lumMod val="65000"/>
-                            <a:lumOff val="35000"/>
-                          </a:schemeClr>
-                        </a:solidFill>
-                        <a:effectLst/>
-                        <a:uLnTx/>
-                        <a:uFillTx/>
-                        <a:latin typeface="Calibri Light"/>
-                        <a:ea typeface="+mn-ea"/>
-                        <a:cs typeface="Calibri Light"/>
-                      </a:endParaRPr>
                     </a:p>
                   </a:txBody>
                   <a:tcPr marR="108000" marT="165600" marB="0">
@@ -9300,7 +9075,7 @@
                         </a:spcBef>
                       </a:pPr>
                       <a:r>
-                        <a:rPr lang="en-US" sz="1000" b="1" dirty="0" smtClean="0">
+                        <a:rPr lang="en-US" sz="1000" b="1" dirty="0">
                           <a:solidFill>
                             <a:schemeClr val="tx1">
                               <a:lumMod val="65000"/>
@@ -9367,7 +9142,7 @@
                         <a:defRPr/>
                       </a:pPr>
                       <a:r>
-                        <a:rPr kumimoji="0" lang="en-US" sz="1000" b="0" i="0" u="none" strike="noStrike" kern="1200" cap="none" spc="0" normalizeH="0" baseline="0" noProof="0" dirty="0" smtClean="0">
+                        <a:rPr kumimoji="0" lang="en-US" sz="1000" b="0" i="0" u="none" strike="noStrike" kern="1200" cap="none" spc="0" normalizeH="0" baseline="0" noProof="0" dirty="0">
                           <a:ln>
                             <a:noFill/>
                           </a:ln>
@@ -9386,23 +9161,6 @@
                         </a:rPr>
                         <a:t>Hard working, dedicated</a:t>
                       </a:r>
-                      <a:endParaRPr kumimoji="0" lang="en-US" sz="1000" b="0" i="0" u="none" strike="noStrike" kern="1200" cap="none" spc="0" normalizeH="0" baseline="0" noProof="0" dirty="0" smtClean="0">
-                        <a:ln>
-                          <a:noFill/>
-                        </a:ln>
-                        <a:solidFill>
-                          <a:schemeClr val="tx1">
-                            <a:lumMod val="65000"/>
-                            <a:lumOff val="35000"/>
-                          </a:schemeClr>
-                        </a:solidFill>
-                        <a:effectLst/>
-                        <a:uLnTx/>
-                        <a:uFillTx/>
-                        <a:latin typeface="Calibri Light"/>
-                        <a:ea typeface="+mn-ea"/>
-                        <a:cs typeface="Calibri Light"/>
-                      </a:endParaRPr>
                     </a:p>
                   </a:txBody>
                   <a:tcPr marR="108000" marT="165600" marB="0">
@@ -9495,7 +9253,7 @@
                 <a:defRPr/>
               </a:pPr>
               <a:r>
-                <a:rPr kumimoji="0" lang="en-US" sz="1050" b="1" i="0" u="none" strike="noStrike" kern="1200" cap="none" spc="0" normalizeH="0" baseline="0" noProof="0" dirty="0" smtClean="0">
+                <a:rPr kumimoji="0" lang="en-US" sz="1050" b="1" i="0" u="none" strike="noStrike" kern="1200" cap="none" spc="0" normalizeH="0" baseline="0" noProof="0" dirty="0">
                   <a:ln>
                     <a:noFill/>
                   </a:ln>
@@ -9566,7 +9324,7 @@
                 <a:tabLst/>
                 <a:defRPr/>
               </a:pPr>
-              <a:endParaRPr kumimoji="0" lang="en-US" sz="1050" b="0" i="0" u="none" strike="noStrike" kern="1200" cap="none" spc="0" normalizeH="0" baseline="0" noProof="0" dirty="0" smtClean="0">
+              <a:endParaRPr kumimoji="0" lang="en-US" sz="1050" b="0" i="0" u="none" strike="noStrike" kern="1200" cap="none" spc="0" normalizeH="0" baseline="0" noProof="0" dirty="0">
                 <a:ln>
                   <a:noFill/>
                 </a:ln>
@@ -9643,7 +9401,7 @@
                 <a:defRPr/>
               </a:pPr>
               <a:r>
-                <a:rPr kumimoji="0" lang="en-US" sz="1050" b="1" i="0" u="none" strike="noStrike" kern="1200" cap="none" spc="0" normalizeH="0" baseline="0" noProof="0" dirty="0" smtClean="0">
+                <a:rPr kumimoji="0" lang="en-US" sz="1050" b="1" i="0" u="none" strike="noStrike" kern="1200" cap="none" spc="0" normalizeH="0" baseline="0" noProof="0" dirty="0">
                   <a:ln>
                     <a:noFill/>
                   </a:ln>
@@ -9715,7 +9473,7 @@
                 <a:defRPr/>
               </a:pPr>
               <a:r>
-                <a:rPr kumimoji="0" lang="en-US" sz="1050" b="0" i="0" u="none" strike="noStrike" kern="1200" cap="none" spc="0" normalizeH="0" baseline="0" noProof="0" dirty="0" smtClean="0">
+                <a:rPr kumimoji="0" lang="en-US" sz="1050" b="0" i="0" u="none" strike="noStrike" kern="1200" cap="none" spc="0" normalizeH="0" baseline="0" noProof="0" dirty="0">
                   <a:ln>
                     <a:noFill/>
                   </a:ln>
@@ -9754,7 +9512,7 @@
                 <a:defRPr/>
               </a:pPr>
               <a:r>
-                <a:rPr lang="en-US" sz="1050" noProof="0" dirty="0" smtClean="0">
+                <a:rPr lang="en-US" sz="1050" noProof="0" dirty="0">
                   <a:solidFill>
                     <a:prstClr val="black">
                       <a:lumMod val="65000"/>
@@ -9786,7 +9544,7 @@
                 <a:defRPr/>
               </a:pPr>
               <a:r>
-                <a:rPr lang="en-US" sz="1050" noProof="0" dirty="0" smtClean="0">
+                <a:rPr lang="en-US" sz="1050" noProof="0" dirty="0">
                   <a:solidFill>
                     <a:prstClr val="black">
                       <a:lumMod val="65000"/>
@@ -9798,7 +9556,7 @@
                 </a:rPr>
                 <a:t>Video games</a:t>
               </a:r>
-              <a:endParaRPr kumimoji="0" lang="en-US" sz="1050" b="0" i="0" u="none" strike="noStrike" kern="1200" cap="none" spc="0" normalizeH="0" baseline="0" noProof="0" dirty="0" smtClean="0">
+              <a:endParaRPr kumimoji="0" lang="en-US" sz="1050" b="0" i="0" u="none" strike="noStrike" kern="1200" cap="none" spc="0" normalizeH="0" baseline="0" noProof="0" dirty="0">
                 <a:ln>
                   <a:noFill/>
                 </a:ln>
@@ -9872,7 +9630,7 @@
                 <a:defRPr/>
               </a:pPr>
               <a:r>
-                <a:rPr kumimoji="0" lang="en-US" sz="1400" b="0" i="0" u="none" strike="noStrike" kern="1200" cap="none" spc="0" normalizeH="0" baseline="0" noProof="0" dirty="0" smtClean="0">
+                <a:rPr kumimoji="0" lang="en-US" sz="1400" b="0" i="0" u="none" strike="noStrike" kern="1200" cap="none" spc="0" normalizeH="0" baseline="0" noProof="0" dirty="0">
                   <a:ln>
                     <a:noFill/>
                   </a:ln>
@@ -9930,7 +9688,7 @@
                 <a:defRPr/>
               </a:pPr>
               <a:r>
-                <a:rPr lang="en-US" sz="2800" noProof="0" dirty="0" smtClean="0">
+                <a:rPr lang="en-US" sz="2800" noProof="0" dirty="0">
                   <a:solidFill>
                     <a:srgbClr val="398DFF"/>
                   </a:solidFill>
@@ -9995,7 +9753,7 @@
                 <a:defRPr/>
               </a:pPr>
               <a:r>
-                <a:rPr lang="en-US" sz="1100" b="1" dirty="0" smtClean="0">
+                <a:rPr lang="en-US" sz="1100" b="1" dirty="0">
                   <a:solidFill>
                     <a:srgbClr val="398DFF"/>
                   </a:solidFill>
@@ -10003,7 +9761,7 @@
                 </a:rPr>
                 <a:t>Logical thinker</a:t>
               </a:r>
-              <a:endParaRPr kumimoji="0" lang="en-US" sz="1100" b="1" i="0" u="none" strike="noStrike" kern="1200" cap="none" spc="0" normalizeH="0" baseline="0" noProof="0" dirty="0" smtClean="0">
+              <a:endParaRPr kumimoji="0" lang="en-US" sz="1100" b="1" i="0" u="none" strike="noStrike" kern="1200" cap="none" spc="0" normalizeH="0" baseline="0" noProof="0" dirty="0">
                 <a:ln>
                   <a:noFill/>
                 </a:ln>
@@ -10059,7 +9817,7 @@
                 <a:defRPr/>
               </a:pPr>
               <a:r>
-                <a:rPr lang="en-US" sz="1400" dirty="0" smtClean="0">
+                <a:rPr lang="en-US" sz="1400" dirty="0">
                   <a:solidFill>
                     <a:srgbClr val="398DFF"/>
                   </a:solidFill>
@@ -10068,7 +9826,7 @@
                 </a:rPr>
                 <a:t>Likes to invent</a:t>
               </a:r>
-              <a:endParaRPr kumimoji="0" lang="en-US" sz="1400" b="0" i="0" u="none" strike="noStrike" kern="1200" cap="none" spc="0" normalizeH="0" baseline="0" noProof="0" dirty="0" smtClean="0">
+              <a:endParaRPr kumimoji="0" lang="en-US" sz="1400" b="0" i="0" u="none" strike="noStrike" kern="1200" cap="none" spc="0" normalizeH="0" baseline="0" noProof="0" dirty="0">
                 <a:ln>
                   <a:noFill/>
                 </a:ln>
@@ -10124,7 +9882,7 @@
                 <a:defRPr/>
               </a:pPr>
               <a:r>
-                <a:rPr lang="en-US" sz="1100" dirty="0" smtClean="0">
+                <a:rPr lang="en-US" sz="1100" dirty="0">
                   <a:solidFill>
                     <a:srgbClr val="398DFF"/>
                   </a:solidFill>
@@ -10134,7 +9892,7 @@
                 <a:t>Seldom</a:t>
               </a:r>
               <a:r>
-                <a:rPr kumimoji="0" lang="en-US" sz="1100" b="0" i="0" u="none" strike="noStrike" kern="1200" cap="none" spc="0" normalizeH="0" baseline="0" noProof="0" dirty="0" smtClean="0">
+                <a:rPr kumimoji="0" lang="en-US" sz="1100" b="0" i="0" u="none" strike="noStrike" kern="1200" cap="none" spc="0" normalizeH="0" baseline="0" noProof="0" dirty="0">
                   <a:ln>
                     <a:noFill/>
                   </a:ln>
@@ -10150,20 +9908,6 @@
                 </a:rPr>
                 <a:t> uses social media</a:t>
               </a:r>
-              <a:endParaRPr kumimoji="0" lang="en-US" sz="1100" b="0" i="0" u="none" strike="noStrike" kern="1200" cap="none" spc="0" normalizeH="0" baseline="0" noProof="0" dirty="0">
-                <a:ln>
-                  <a:noFill/>
-                </a:ln>
-                <a:solidFill>
-                  <a:srgbClr val="398DFF"/>
-                </a:solidFill>
-                <a:effectLst/>
-                <a:uLnTx/>
-                <a:uFillTx/>
-                <a:latin typeface="Calibri Light"/>
-                <a:ea typeface="+mn-ea"/>
-                <a:cs typeface="Calibri Light"/>
-              </a:endParaRPr>
             </a:p>
           </p:txBody>
         </p:sp>
@@ -10246,7 +9990,7 @@
                 <a:defRPr/>
               </a:pPr>
               <a:r>
-                <a:rPr kumimoji="0" lang="en-US" sz="800" b="0" i="0" u="none" strike="noStrike" kern="1200" cap="none" spc="0" normalizeH="0" baseline="0" noProof="0" dirty="0" smtClean="0">
+                <a:rPr kumimoji="0" lang="en-US" sz="800" b="0" i="0" u="none" strike="noStrike" kern="1200" cap="none" spc="0" normalizeH="0" baseline="0" noProof="0" dirty="0">
                   <a:ln>
                     <a:noFill/>
                   </a:ln>
@@ -10282,7 +10026,7 @@
                 <a:defRPr/>
               </a:pPr>
               <a:r>
-                <a:rPr kumimoji="0" lang="en-US" sz="800" b="0" i="0" u="none" strike="noStrike" kern="1200" cap="none" spc="0" normalizeH="0" baseline="0" noProof="0" dirty="0" smtClean="0">
+                <a:rPr kumimoji="0" lang="en-US" sz="800" b="0" i="0" u="none" strike="noStrike" kern="1200" cap="none" spc="0" normalizeH="0" baseline="0" noProof="0" dirty="0">
                   <a:ln>
                     <a:noFill/>
                   </a:ln>
@@ -10298,20 +10042,6 @@
                 </a:rPr>
                 <a:t>www.blog.filestage.io</a:t>
               </a:r>
-              <a:endParaRPr kumimoji="0" lang="en-US" sz="800" b="0" i="0" u="none" strike="noStrike" kern="1200" cap="none" spc="0" normalizeH="0" baseline="0" noProof="0" dirty="0">
-                <a:ln>
-                  <a:noFill/>
-                </a:ln>
-                <a:solidFill>
-                  <a:prstClr val="black"/>
-                </a:solidFill>
-                <a:effectLst/>
-                <a:uLnTx/>
-                <a:uFillTx/>
-                <a:latin typeface="Calibri"/>
-                <a:ea typeface="+mn-ea"/>
-                <a:cs typeface="+mn-cs"/>
-              </a:endParaRPr>
             </a:p>
           </p:txBody>
         </p:sp>
@@ -10386,7 +10116,7 @@
               <a:defRPr/>
             </a:pPr>
             <a:r>
-              <a:rPr kumimoji="0" lang="en-US" sz="1050" b="0" i="0" u="none" strike="noStrike" kern="1200" cap="none" spc="0" normalizeH="0" baseline="0" noProof="0" dirty="0" smtClean="0">
+              <a:rPr kumimoji="0" lang="en-US" sz="1050" b="0" i="0" u="none" strike="noStrike" kern="1200" cap="none" spc="0" normalizeH="0" baseline="0" noProof="0" dirty="0">
                 <a:ln>
                   <a:noFill/>
                 </a:ln>
@@ -10406,7 +10136,7 @@
               <a:t>Check availability of classes / tutorials</a:t>
             </a:r>
             <a:r>
-              <a:rPr kumimoji="0" lang="en-US" sz="1050" b="0" i="0" u="none" strike="noStrike" kern="1200" cap="none" spc="0" normalizeH="0" noProof="0" dirty="0" smtClean="0">
+              <a:rPr kumimoji="0" lang="en-US" sz="1050" b="0" i="0" u="none" strike="noStrike" kern="1200" cap="none" spc="0" normalizeH="0" noProof="0" dirty="0">
                 <a:ln>
                   <a:noFill/>
                 </a:ln>
@@ -10425,7 +10155,7 @@
               </a:rPr>
               <a:t> from specific lecturers</a:t>
             </a:r>
-            <a:endParaRPr kumimoji="0" lang="en-US" sz="1050" b="0" i="0" u="none" strike="noStrike" kern="1200" cap="none" spc="0" normalizeH="0" baseline="0" noProof="0" dirty="0" smtClean="0">
+            <a:endParaRPr kumimoji="0" lang="en-US" sz="1050" b="0" i="0" u="none" strike="noStrike" kern="1200" cap="none" spc="0" normalizeH="0" baseline="0" noProof="0" dirty="0">
               <a:ln>
                 <a:noFill/>
               </a:ln>
@@ -10462,7 +10192,7 @@
               <a:defRPr/>
             </a:pPr>
             <a:r>
-              <a:rPr kumimoji="0" lang="en-US" sz="1050" b="0" i="0" u="none" strike="noStrike" kern="1200" cap="none" spc="0" normalizeH="0" baseline="0" noProof="0" dirty="0" smtClean="0">
+              <a:rPr kumimoji="0" lang="en-US" sz="1050" b="0" i="0" u="none" strike="noStrike" kern="1200" cap="none" spc="0" normalizeH="0" baseline="0" noProof="0" dirty="0">
                 <a:ln>
                   <a:noFill/>
                 </a:ln>
@@ -10508,13 +10238,6 @@
   <p:clrMapOvr>
     <a:masterClrMapping/>
   </p:clrMapOvr>
-  <p:timing>
-    <p:tnLst>
-      <p:par>
-        <p:cTn id="1" dur="indefinite" restart="never" nodeType="tmRoot"/>
-      </p:par>
-    </p:tnLst>
-  </p:timing>
 </p:sld>
 </file>
 
